--- a/Galimov.pptx
+++ b/Galimov.pptx
@@ -18,6 +18,7 @@
     <p:sldId id="261" r:id="rId12"/>
     <p:sldId id="262" r:id="rId13"/>
     <p:sldId id="263" r:id="rId14"/>
+    <p:sldId id="269" r:id="rId15"/>
   </p:sldIdLst>
   <p:sldSz cx="12192000" cy="6858000"/>
   <p:notesSz cx="6858000" cy="9144000"/>
@@ -116,6 +117,11 @@
       </a:defRPr>
     </a:lvl9pPr>
   </p:defaultTextStyle>
+  <p:extLst>
+    <p:ext uri="{EFAFB233-063F-42B5-8137-9DF3F51BA10A}">
+      <p15:sldGuideLst xmlns:p15="http://schemas.microsoft.com/office/powerpoint/2012/main"/>
+    </p:ext>
+  </p:extLst>
 </p:presentation>
 </file>
 
@@ -3547,7 +3553,7 @@
         </p:nvSpPr>
         <p:spPr>
           <a:xfrm>
-            <a:off x="4825139" y="137160"/>
+            <a:off x="4566993" y="0"/>
             <a:ext cx="2541721" cy="523220"/>
           </a:xfrm>
           <a:prstGeom prst="rect">
@@ -3596,8 +3602,8 @@
         </p:blipFill>
         <p:spPr>
           <a:xfrm>
-            <a:off x="2824480" y="649240"/>
-            <a:ext cx="6289040" cy="6071600"/>
+            <a:off x="2567836" y="544083"/>
+            <a:ext cx="6540036" cy="6313918"/>
           </a:xfrm>
           <a:prstGeom prst="rect">
             <a:avLst/>
@@ -3959,6 +3965,245 @@
     <p:extLst>
       <p:ext uri="{BB962C8B-B14F-4D97-AF65-F5344CB8AC3E}">
         <p14:creationId xmlns:p14="http://schemas.microsoft.com/office/powerpoint/2010/main" val="3036167995"/>
+      </p:ext>
+    </p:extLst>
+  </p:cSld>
+  <p:clrMapOvr>
+    <a:masterClrMapping/>
+  </p:clrMapOvr>
+</p:sld>
+</file>
+
+<file path=ppt/slides/slide14.xml><?xml version="1.0" encoding="utf-8"?>
+<p:sld xmlns:a="http://schemas.openxmlformats.org/drawingml/2006/main" xmlns:r="http://schemas.openxmlformats.org/officeDocument/2006/relationships" xmlns:p="http://schemas.openxmlformats.org/presentationml/2006/main">
+  <p:cSld>
+    <p:spTree>
+      <p:nvGrpSpPr>
+        <p:cNvPr id="1" name=""/>
+        <p:cNvGrpSpPr/>
+        <p:nvPr/>
+      </p:nvGrpSpPr>
+      <p:grpSpPr>
+        <a:xfrm>
+          <a:off x="0" y="0"/>
+          <a:ext cx="0" cy="0"/>
+          <a:chOff x="0" y="0"/>
+          <a:chExt cx="0" cy="0"/>
+        </a:xfrm>
+      </p:grpSpPr>
+      <p:sp>
+        <p:nvSpPr>
+          <p:cNvPr id="4" name="TextBox 3">
+            <a:extLst>
+              <a:ext uri="{FF2B5EF4-FFF2-40B4-BE49-F238E27FC236}">
+                <a16:creationId xmlns:a16="http://schemas.microsoft.com/office/drawing/2014/main" id="{13B1D7BF-AD96-3F02-5CDE-DE7281D8628F}"/>
+              </a:ext>
+            </a:extLst>
+          </p:cNvPr>
+          <p:cNvSpPr txBox="1"/>
+          <p:nvPr/>
+        </p:nvSpPr>
+        <p:spPr>
+          <a:xfrm>
+            <a:off x="4515263" y="126304"/>
+            <a:ext cx="1984646" cy="523220"/>
+          </a:xfrm>
+          <a:prstGeom prst="rect">
+            <a:avLst/>
+          </a:prstGeom>
+          <a:noFill/>
+        </p:spPr>
+        <p:txBody>
+          <a:bodyPr wrap="none" rtlCol="0">
+            <a:spAutoFit/>
+          </a:bodyPr>
+          <a:lstStyle/>
+          <a:p>
+            <a:r>
+              <a:rPr lang="en-US" sz="2800" b="1" dirty="0">
+                <a:solidFill>
+                  <a:schemeClr val="accent1">
+                    <a:lumMod val="50000"/>
+                  </a:schemeClr>
+                </a:solidFill>
+              </a:rPr>
+              <a:t>Key findings</a:t>
+            </a:r>
+          </a:p>
+        </p:txBody>
+      </p:sp>
+      <p:sp>
+        <p:nvSpPr>
+          <p:cNvPr id="6" name="TextBox 5">
+            <a:extLst>
+              <a:ext uri="{FF2B5EF4-FFF2-40B4-BE49-F238E27FC236}">
+                <a16:creationId xmlns:a16="http://schemas.microsoft.com/office/drawing/2014/main" id="{05FCF83E-E28F-010C-52BD-629D02355A50}"/>
+              </a:ext>
+            </a:extLst>
+          </p:cNvPr>
+          <p:cNvSpPr txBox="1"/>
+          <p:nvPr/>
+        </p:nvSpPr>
+        <p:spPr>
+          <a:xfrm>
+            <a:off x="914400" y="1027134"/>
+            <a:ext cx="11058861" cy="4247317"/>
+          </a:xfrm>
+          <a:prstGeom prst="rect">
+            <a:avLst/>
+          </a:prstGeom>
+          <a:noFill/>
+        </p:spPr>
+        <p:txBody>
+          <a:bodyPr wrap="none" rtlCol="0">
+            <a:spAutoFit/>
+          </a:bodyPr>
+          <a:lstStyle/>
+          <a:p>
+            <a:pPr marL="285750" indent="-285750">
+              <a:buFont typeface="Arial" panose="020B0604020202020204" pitchFamily="34" charset="0"/>
+              <a:buChar char="•"/>
+            </a:pPr>
+            <a:r>
+              <a:rPr lang="en-US" dirty="0"/>
+              <a:t>Patients receive diverse combinations of drugs and psychotherapy</a:t>
+            </a:r>
+          </a:p>
+          <a:p>
+            <a:pPr marL="285750" indent="-285750">
+              <a:buFont typeface="Arial" panose="020B0604020202020204" pitchFamily="34" charset="0"/>
+              <a:buChar char="•"/>
+            </a:pPr>
+            <a:r>
+              <a:rPr lang="en-US" dirty="0"/>
+              <a:t>Antidepressants and psychotherapy are most often prescribed for patient admitted in emergency departments</a:t>
+            </a:r>
+          </a:p>
+          <a:p>
+            <a:pPr marL="285750" indent="-285750">
+              <a:buFont typeface="Arial" panose="020B0604020202020204" pitchFamily="34" charset="0"/>
+              <a:buChar char="•"/>
+            </a:pPr>
+            <a:r>
+              <a:rPr lang="en-US" dirty="0"/>
+              <a:t>Clinical features’ distributions are similar among different ethnicities and residential statuses</a:t>
+            </a:r>
+          </a:p>
+          <a:p>
+            <a:pPr marL="285750" indent="-285750">
+              <a:buFont typeface="Arial" panose="020B0604020202020204" pitchFamily="34" charset="0"/>
+              <a:buChar char="•"/>
+            </a:pPr>
+            <a:r>
+              <a:rPr lang="en-US" dirty="0"/>
+              <a:t>Cost of hospital stay is higher for Malay and lower for Chinese. </a:t>
+            </a:r>
+          </a:p>
+          <a:p>
+            <a:pPr marL="285750" indent="-285750">
+              <a:buFont typeface="Arial" panose="020B0604020202020204" pitchFamily="34" charset="0"/>
+              <a:buChar char="•"/>
+            </a:pPr>
+            <a:r>
+              <a:rPr lang="en-US" dirty="0"/>
+              <a:t>Cost of hospital stay is higher patients with residential status ‘Foreigner’</a:t>
+            </a:r>
+          </a:p>
+          <a:p>
+            <a:pPr marL="285750" indent="-285750">
+              <a:buFont typeface="Arial" panose="020B0604020202020204" pitchFamily="34" charset="0"/>
+              <a:buChar char="•"/>
+            </a:pPr>
+            <a:r>
+              <a:rPr lang="en-US" dirty="0"/>
+              <a:t>Cost of hospital stay is positively correlated with weight, age, medical history of diabetes and anxiety, symptoms, </a:t>
+            </a:r>
+          </a:p>
+          <a:p>
+            <a:r>
+              <a:rPr lang="en-US" dirty="0"/>
+              <a:t>especially symptom 5. </a:t>
+            </a:r>
+          </a:p>
+          <a:p>
+            <a:pPr marL="285750" indent="-285750">
+              <a:buFont typeface="Arial" panose="020B0604020202020204" pitchFamily="34" charset="0"/>
+              <a:buChar char="•"/>
+            </a:pPr>
+            <a:r>
+              <a:rPr lang="en-US" dirty="0"/>
+              <a:t>Predictors are mostly not correlated with each other, except weight and height</a:t>
+            </a:r>
+          </a:p>
+          <a:p>
+            <a:pPr marL="285750" indent="-285750">
+              <a:buFont typeface="Arial" panose="020B0604020202020204" pitchFamily="34" charset="0"/>
+              <a:buChar char="•"/>
+            </a:pPr>
+            <a:r>
+              <a:rPr lang="en-US" dirty="0"/>
+              <a:t>Grid search among elastic net, SVR and ransom forest regressor found that elastic net performs the best</a:t>
+            </a:r>
+          </a:p>
+          <a:p>
+            <a:pPr marL="285750" indent="-285750">
+              <a:buFont typeface="Arial" panose="020B0604020202020204" pitchFamily="34" charset="0"/>
+              <a:buChar char="•"/>
+            </a:pPr>
+            <a:r>
+              <a:rPr lang="en-GB" b="0" i="0" u="none" strike="noStrike" dirty="0">
+                <a:effectLst/>
+                <a:latin typeface="Söhne"/>
+              </a:rPr>
+              <a:t>For the elastic net model, residential status ‘Foreigner,’ age, symptom 5, weight, Malay ethnicity, and </a:t>
+            </a:r>
+          </a:p>
+          <a:p>
+            <a:r>
+              <a:rPr lang="en-GB" b="0" i="0" u="none" strike="noStrike" dirty="0">
+                <a:effectLst/>
+                <a:latin typeface="Söhne"/>
+              </a:rPr>
+              <a:t>medical history of diabetes had the strongest effect on increasing the cost of hospital stay.</a:t>
+            </a:r>
+          </a:p>
+          <a:p>
+            <a:r>
+              <a:rPr lang="en-GB" b="0" i="0" u="none" strike="noStrike" dirty="0">
+                <a:effectLst/>
+                <a:latin typeface="Söhne"/>
+              </a:rPr>
+              <a:t>On the other hand, Chinese ethnicity and residential status ‘Singaporean’ had the strongest effect on decreasing it</a:t>
+            </a:r>
+            <a:endParaRPr lang="en-US" dirty="0"/>
+          </a:p>
+          <a:p>
+            <a:pPr marL="285750" indent="-285750">
+              <a:buFont typeface="Arial" panose="020B0604020202020204" pitchFamily="34" charset="0"/>
+              <a:buChar char="•"/>
+            </a:pPr>
+            <a:endParaRPr lang="en-US" dirty="0"/>
+          </a:p>
+          <a:p>
+            <a:pPr marL="285750" indent="-285750">
+              <a:buFont typeface="Arial" panose="020B0604020202020204" pitchFamily="34" charset="0"/>
+              <a:buChar char="•"/>
+            </a:pPr>
+            <a:endParaRPr lang="en-US" dirty="0"/>
+          </a:p>
+          <a:p>
+            <a:pPr marL="285750" indent="-285750">
+              <a:buFont typeface="Arial" panose="020B0604020202020204" pitchFamily="34" charset="0"/>
+              <a:buChar char="•"/>
+            </a:pPr>
+            <a:endParaRPr lang="en-US" dirty="0"/>
+          </a:p>
+        </p:txBody>
+      </p:sp>
+    </p:spTree>
+    <p:extLst>
+      <p:ext uri="{BB962C8B-B14F-4D97-AF65-F5344CB8AC3E}">
+        <p14:creationId xmlns:p14="http://schemas.microsoft.com/office/powerpoint/2010/main" val="4144664395"/>
       </p:ext>
     </p:extLst>
   </p:cSld>
